--- a/Cyberlab/week6/week6 Attention.pptx
+++ b/Cyberlab/week6/week6 Attention.pptx
@@ -5,7 +5,7 @@
     <p:sldMasterId id="2147483648" r:id="rId1"/>
   </p:sldMasterIdLst>
   <p:notesMasterIdLst>
-    <p:notesMasterId r:id="rId7"/>
+    <p:notesMasterId r:id="rId22"/>
   </p:notesMasterIdLst>
   <p:sldIdLst>
     <p:sldId id="256" r:id="rId2"/>
@@ -13,6 +13,21 @@
     <p:sldId id="280" r:id="rId4"/>
     <p:sldId id="281" r:id="rId5"/>
     <p:sldId id="284" r:id="rId6"/>
+    <p:sldId id="285" r:id="rId7"/>
+    <p:sldId id="286" r:id="rId8"/>
+    <p:sldId id="287" r:id="rId9"/>
+    <p:sldId id="288" r:id="rId10"/>
+    <p:sldId id="290" r:id="rId11"/>
+    <p:sldId id="291" r:id="rId12"/>
+    <p:sldId id="292" r:id="rId13"/>
+    <p:sldId id="293" r:id="rId14"/>
+    <p:sldId id="294" r:id="rId15"/>
+    <p:sldId id="295" r:id="rId16"/>
+    <p:sldId id="296" r:id="rId17"/>
+    <p:sldId id="297" r:id="rId18"/>
+    <p:sldId id="298" r:id="rId19"/>
+    <p:sldId id="299" r:id="rId20"/>
+    <p:sldId id="289" r:id="rId21"/>
   </p:sldIdLst>
   <p:sldSz cx="12192000" cy="6858000"/>
   <p:notesSz cx="6858000" cy="9144000"/>
@@ -201,7 +216,7 @@
           <a:p>
             <a:fld id="{51CA9FB8-3050-46C5-BCC2-01B763353D55}" type="datetimeFigureOut">
               <a:rPr lang="en-US" smtClean="0"/>
-              <a:t>3/3/2022</a:t>
+              <a:t>3/12/2022</a:t>
             </a:fld>
             <a:endParaRPr lang="en-US"/>
           </a:p>
@@ -574,6 +589,182 @@
 </p:notes>
 </file>
 
+<file path=ppt/notesSlides/notesSlide2.xml><?xml version="1.0" encoding="utf-8"?>
+<p:notes xmlns:a="http://schemas.openxmlformats.org/drawingml/2006/main" xmlns:r="http://schemas.openxmlformats.org/officeDocument/2006/relationships" xmlns:p="http://schemas.openxmlformats.org/presentationml/2006/main">
+  <p:cSld>
+    <p:spTree>
+      <p:nvGrpSpPr>
+        <p:cNvPr id="1" name=""/>
+        <p:cNvGrpSpPr/>
+        <p:nvPr/>
+      </p:nvGrpSpPr>
+      <p:grpSpPr>
+        <a:xfrm>
+          <a:off x="0" y="0"/>
+          <a:ext cx="0" cy="0"/>
+          <a:chOff x="0" y="0"/>
+          <a:chExt cx="0" cy="0"/>
+        </a:xfrm>
+      </p:grpSpPr>
+      <p:sp>
+        <p:nvSpPr>
+          <p:cNvPr id="2" name="Slide Image Placeholder 1"/>
+          <p:cNvSpPr>
+            <a:spLocks noGrp="1" noRot="1" noChangeAspect="1"/>
+          </p:cNvSpPr>
+          <p:nvPr>
+            <p:ph type="sldImg"/>
+          </p:nvPr>
+        </p:nvSpPr>
+        <p:spPr/>
+      </p:sp>
+      <p:sp>
+        <p:nvSpPr>
+          <p:cNvPr id="3" name="Notes Placeholder 2"/>
+          <p:cNvSpPr>
+            <a:spLocks noGrp="1"/>
+          </p:cNvSpPr>
+          <p:nvPr>
+            <p:ph type="body" idx="1"/>
+          </p:nvPr>
+        </p:nvSpPr>
+        <p:spPr/>
+        <p:txBody>
+          <a:bodyPr/>
+          <a:lstStyle/>
+          <a:p>
+            <a:r>
+              <a:rPr lang="en-US" dirty="0" smtClean="0"/>
+              <a:t>https://d2l.ai/chapter_optimization/convexity.html</a:t>
+            </a:r>
+            <a:endParaRPr lang="en-US" dirty="0"/>
+          </a:p>
+        </p:txBody>
+      </p:sp>
+      <p:sp>
+        <p:nvSpPr>
+          <p:cNvPr id="4" name="Slide Number Placeholder 3"/>
+          <p:cNvSpPr>
+            <a:spLocks noGrp="1"/>
+          </p:cNvSpPr>
+          <p:nvPr>
+            <p:ph type="sldNum" sz="quarter" idx="10"/>
+          </p:nvPr>
+        </p:nvSpPr>
+        <p:spPr/>
+        <p:txBody>
+          <a:bodyPr/>
+          <a:lstStyle/>
+          <a:p>
+            <a:fld id="{74668BCF-21A2-461F-AAC6-16B7FF9C72B7}" type="slidenum">
+              <a:rPr lang="en-US" smtClean="0"/>
+              <a:t>11</a:t>
+            </a:fld>
+            <a:endParaRPr lang="en-US"/>
+          </a:p>
+        </p:txBody>
+      </p:sp>
+    </p:spTree>
+    <p:extLst>
+      <p:ext uri="{BB962C8B-B14F-4D97-AF65-F5344CB8AC3E}">
+        <p14:creationId xmlns:p14="http://schemas.microsoft.com/office/powerpoint/2010/main" val="3964697285"/>
+      </p:ext>
+    </p:extLst>
+  </p:cSld>
+  <p:clrMapOvr>
+    <a:masterClrMapping/>
+  </p:clrMapOvr>
+</p:notes>
+</file>
+
+<file path=ppt/notesSlides/notesSlide3.xml><?xml version="1.0" encoding="utf-8"?>
+<p:notes xmlns:a="http://schemas.openxmlformats.org/drawingml/2006/main" xmlns:r="http://schemas.openxmlformats.org/officeDocument/2006/relationships" xmlns:p="http://schemas.openxmlformats.org/presentationml/2006/main">
+  <p:cSld>
+    <p:spTree>
+      <p:nvGrpSpPr>
+        <p:cNvPr id="1" name=""/>
+        <p:cNvGrpSpPr/>
+        <p:nvPr/>
+      </p:nvGrpSpPr>
+      <p:grpSpPr>
+        <a:xfrm>
+          <a:off x="0" y="0"/>
+          <a:ext cx="0" cy="0"/>
+          <a:chOff x="0" y="0"/>
+          <a:chExt cx="0" cy="0"/>
+        </a:xfrm>
+      </p:grpSpPr>
+      <p:sp>
+        <p:nvSpPr>
+          <p:cNvPr id="2" name="Slide Image Placeholder 1"/>
+          <p:cNvSpPr>
+            <a:spLocks noGrp="1" noRot="1" noChangeAspect="1"/>
+          </p:cNvSpPr>
+          <p:nvPr>
+            <p:ph type="sldImg"/>
+          </p:nvPr>
+        </p:nvSpPr>
+        <p:spPr/>
+      </p:sp>
+      <p:sp>
+        <p:nvSpPr>
+          <p:cNvPr id="3" name="Notes Placeholder 2"/>
+          <p:cNvSpPr>
+            <a:spLocks noGrp="1"/>
+          </p:cNvSpPr>
+          <p:nvPr>
+            <p:ph type="body" idx="1"/>
+          </p:nvPr>
+        </p:nvSpPr>
+        <p:spPr/>
+        <p:txBody>
+          <a:bodyPr/>
+          <a:lstStyle/>
+          <a:p>
+            <a:r>
+              <a:rPr lang="en-US" dirty="0" smtClean="0"/>
+              <a:t>https://d2l.ai/chapter_optimization/momentum.html</a:t>
+            </a:r>
+            <a:endParaRPr lang="en-US" dirty="0"/>
+          </a:p>
+        </p:txBody>
+      </p:sp>
+      <p:sp>
+        <p:nvSpPr>
+          <p:cNvPr id="4" name="Slide Number Placeholder 3"/>
+          <p:cNvSpPr>
+            <a:spLocks noGrp="1"/>
+          </p:cNvSpPr>
+          <p:nvPr>
+            <p:ph type="sldNum" sz="quarter" idx="10"/>
+          </p:nvPr>
+        </p:nvSpPr>
+        <p:spPr/>
+        <p:txBody>
+          <a:bodyPr/>
+          <a:lstStyle/>
+          <a:p>
+            <a:fld id="{74668BCF-21A2-461F-AAC6-16B7FF9C72B7}" type="slidenum">
+              <a:rPr lang="en-US" smtClean="0"/>
+              <a:t>14</a:t>
+            </a:fld>
+            <a:endParaRPr lang="en-US"/>
+          </a:p>
+        </p:txBody>
+      </p:sp>
+    </p:spTree>
+    <p:extLst>
+      <p:ext uri="{BB962C8B-B14F-4D97-AF65-F5344CB8AC3E}">
+        <p14:creationId xmlns:p14="http://schemas.microsoft.com/office/powerpoint/2010/main" val="731118679"/>
+      </p:ext>
+    </p:extLst>
+  </p:cSld>
+  <p:clrMapOvr>
+    <a:masterClrMapping/>
+  </p:clrMapOvr>
+</p:notes>
+</file>
+
 <file path=ppt/slideLayouts/slideLayout1.xml><?xml version="1.0" encoding="utf-8"?>
 <p:sldLayout xmlns:a="http://schemas.openxmlformats.org/drawingml/2006/main" xmlns:r="http://schemas.openxmlformats.org/officeDocument/2006/relationships" xmlns:p="http://schemas.openxmlformats.org/presentationml/2006/main" type="title" preserve="1">
   <p:cSld name="Title Slide">
@@ -705,7 +896,7 @@
           <a:p>
             <a:fld id="{605F9D8B-F268-4FDC-9177-FD3B20249225}" type="datetimeFigureOut">
               <a:rPr lang="en-US" smtClean="0"/>
-              <a:t>3/3/2022</a:t>
+              <a:t>3/12/2022</a:t>
             </a:fld>
             <a:endParaRPr lang="en-US"/>
           </a:p>
@@ -875,7 +1066,7 @@
           <a:p>
             <a:fld id="{605F9D8B-F268-4FDC-9177-FD3B20249225}" type="datetimeFigureOut">
               <a:rPr lang="en-US" smtClean="0"/>
-              <a:t>3/3/2022</a:t>
+              <a:t>3/12/2022</a:t>
             </a:fld>
             <a:endParaRPr lang="en-US"/>
           </a:p>
@@ -1055,7 +1246,7 @@
           <a:p>
             <a:fld id="{605F9D8B-F268-4FDC-9177-FD3B20249225}" type="datetimeFigureOut">
               <a:rPr lang="en-US" smtClean="0"/>
-              <a:t>3/3/2022</a:t>
+              <a:t>3/12/2022</a:t>
             </a:fld>
             <a:endParaRPr lang="en-US"/>
           </a:p>
@@ -1225,7 +1416,7 @@
           <a:p>
             <a:fld id="{605F9D8B-F268-4FDC-9177-FD3B20249225}" type="datetimeFigureOut">
               <a:rPr lang="en-US" smtClean="0"/>
-              <a:t>3/3/2022</a:t>
+              <a:t>3/12/2022</a:t>
             </a:fld>
             <a:endParaRPr lang="en-US"/>
           </a:p>
@@ -1471,7 +1662,7 @@
           <a:p>
             <a:fld id="{605F9D8B-F268-4FDC-9177-FD3B20249225}" type="datetimeFigureOut">
               <a:rPr lang="en-US" smtClean="0"/>
-              <a:t>3/3/2022</a:t>
+              <a:t>3/12/2022</a:t>
             </a:fld>
             <a:endParaRPr lang="en-US"/>
           </a:p>
@@ -1703,7 +1894,7 @@
           <a:p>
             <a:fld id="{605F9D8B-F268-4FDC-9177-FD3B20249225}" type="datetimeFigureOut">
               <a:rPr lang="en-US" smtClean="0"/>
-              <a:t>3/3/2022</a:t>
+              <a:t>3/12/2022</a:t>
             </a:fld>
             <a:endParaRPr lang="en-US"/>
           </a:p>
@@ -2070,7 +2261,7 @@
           <a:p>
             <a:fld id="{605F9D8B-F268-4FDC-9177-FD3B20249225}" type="datetimeFigureOut">
               <a:rPr lang="en-US" smtClean="0"/>
-              <a:t>3/3/2022</a:t>
+              <a:t>3/12/2022</a:t>
             </a:fld>
             <a:endParaRPr lang="en-US"/>
           </a:p>
@@ -2188,7 +2379,7 @@
           <a:p>
             <a:fld id="{605F9D8B-F268-4FDC-9177-FD3B20249225}" type="datetimeFigureOut">
               <a:rPr lang="en-US" smtClean="0"/>
-              <a:t>3/3/2022</a:t>
+              <a:t>3/12/2022</a:t>
             </a:fld>
             <a:endParaRPr lang="en-US"/>
           </a:p>
@@ -2283,7 +2474,7 @@
           <a:p>
             <a:fld id="{605F9D8B-F268-4FDC-9177-FD3B20249225}" type="datetimeFigureOut">
               <a:rPr lang="en-US" smtClean="0"/>
-              <a:t>3/3/2022</a:t>
+              <a:t>3/12/2022</a:t>
             </a:fld>
             <a:endParaRPr lang="en-US"/>
           </a:p>
@@ -2560,7 +2751,7 @@
           <a:p>
             <a:fld id="{605F9D8B-F268-4FDC-9177-FD3B20249225}" type="datetimeFigureOut">
               <a:rPr lang="en-US" smtClean="0"/>
-              <a:t>3/3/2022</a:t>
+              <a:t>3/12/2022</a:t>
             </a:fld>
             <a:endParaRPr lang="en-US"/>
           </a:p>
@@ -2813,7 +3004,7 @@
           <a:p>
             <a:fld id="{605F9D8B-F268-4FDC-9177-FD3B20249225}" type="datetimeFigureOut">
               <a:rPr lang="en-US" smtClean="0"/>
-              <a:t>3/3/2022</a:t>
+              <a:t>3/12/2022</a:t>
             </a:fld>
             <a:endParaRPr lang="en-US"/>
           </a:p>
@@ -3026,7 +3217,7 @@
           <a:p>
             <a:fld id="{605F9D8B-F268-4FDC-9177-FD3B20249225}" type="datetimeFigureOut">
               <a:rPr lang="en-US" smtClean="0"/>
-              <a:t>3/3/2022</a:t>
+              <a:t>3/12/2022</a:t>
             </a:fld>
             <a:endParaRPr lang="en-US"/>
           </a:p>
@@ -3486,6 +3677,1165 @@
 </p:sld>
 </file>
 
+<file path=ppt/slides/slide10.xml><?xml version="1.0" encoding="utf-8"?>
+<p:sld xmlns:a="http://schemas.openxmlformats.org/drawingml/2006/main" xmlns:r="http://schemas.openxmlformats.org/officeDocument/2006/relationships" xmlns:p="http://schemas.openxmlformats.org/presentationml/2006/main">
+  <p:cSld>
+    <p:spTree>
+      <p:nvGrpSpPr>
+        <p:cNvPr id="1" name=""/>
+        <p:cNvGrpSpPr/>
+        <p:nvPr/>
+      </p:nvGrpSpPr>
+      <p:grpSpPr>
+        <a:xfrm>
+          <a:off x="0" y="0"/>
+          <a:ext cx="0" cy="0"/>
+          <a:chOff x="0" y="0"/>
+          <a:chExt cx="0" cy="0"/>
+        </a:xfrm>
+      </p:grpSpPr>
+      <p:sp>
+        <p:nvSpPr>
+          <p:cNvPr id="2" name="Title 1"/>
+          <p:cNvSpPr>
+            <a:spLocks noGrp="1"/>
+          </p:cNvSpPr>
+          <p:nvPr>
+            <p:ph type="title"/>
+          </p:nvPr>
+        </p:nvSpPr>
+        <p:spPr/>
+        <p:txBody>
+          <a:bodyPr/>
+          <a:lstStyle/>
+          <a:p>
+            <a:r>
+              <a:rPr lang="fr-FR" dirty="0" err="1" smtClean="0"/>
+              <a:t>Saddle</a:t>
+            </a:r>
+            <a:r>
+              <a:rPr lang="fr-FR" dirty="0" smtClean="0"/>
+              <a:t> point</a:t>
+            </a:r>
+            <a:endParaRPr lang="en-US" dirty="0"/>
+          </a:p>
+        </p:txBody>
+      </p:sp>
+      <p:sp>
+        <p:nvSpPr>
+          <p:cNvPr id="3" name="Content Placeholder 2"/>
+          <p:cNvSpPr>
+            <a:spLocks noGrp="1"/>
+          </p:cNvSpPr>
+          <p:nvPr>
+            <p:ph idx="1"/>
+          </p:nvPr>
+        </p:nvSpPr>
+        <p:spPr/>
+        <p:txBody>
+          <a:bodyPr/>
+          <a:lstStyle/>
+          <a:p>
+            <a:endParaRPr lang="en-US"/>
+          </a:p>
+        </p:txBody>
+      </p:sp>
+      <p:pic>
+        <p:nvPicPr>
+          <p:cNvPr id="4" name="Picture 3"/>
+          <p:cNvPicPr>
+            <a:picLocks noChangeAspect="1"/>
+          </p:cNvPicPr>
+          <p:nvPr/>
+        </p:nvPicPr>
+        <p:blipFill>
+          <a:blip r:embed="rId2"/>
+          <a:stretch>
+            <a:fillRect/>
+          </a:stretch>
+        </p:blipFill>
+        <p:spPr>
+          <a:xfrm>
+            <a:off x="4110037" y="2605881"/>
+            <a:ext cx="3971925" cy="2790825"/>
+          </a:xfrm>
+          <a:prstGeom prst="rect">
+            <a:avLst/>
+          </a:prstGeom>
+        </p:spPr>
+      </p:pic>
+    </p:spTree>
+    <p:extLst>
+      <p:ext uri="{BB962C8B-B14F-4D97-AF65-F5344CB8AC3E}">
+        <p14:creationId xmlns:p14="http://schemas.microsoft.com/office/powerpoint/2010/main" val="116024628"/>
+      </p:ext>
+    </p:extLst>
+  </p:cSld>
+  <p:clrMapOvr>
+    <a:masterClrMapping/>
+  </p:clrMapOvr>
+</p:sld>
+</file>
+
+<file path=ppt/slides/slide11.xml><?xml version="1.0" encoding="utf-8"?>
+<p:sld xmlns:a="http://schemas.openxmlformats.org/drawingml/2006/main" xmlns:r="http://schemas.openxmlformats.org/officeDocument/2006/relationships" xmlns:p="http://schemas.openxmlformats.org/presentationml/2006/main">
+  <p:cSld>
+    <p:spTree>
+      <p:nvGrpSpPr>
+        <p:cNvPr id="1" name=""/>
+        <p:cNvGrpSpPr/>
+        <p:nvPr/>
+      </p:nvGrpSpPr>
+      <p:grpSpPr>
+        <a:xfrm>
+          <a:off x="0" y="0"/>
+          <a:ext cx="0" cy="0"/>
+          <a:chOff x="0" y="0"/>
+          <a:chExt cx="0" cy="0"/>
+        </a:xfrm>
+      </p:grpSpPr>
+      <p:sp>
+        <p:nvSpPr>
+          <p:cNvPr id="2" name="Title 1"/>
+          <p:cNvSpPr>
+            <a:spLocks noGrp="1"/>
+          </p:cNvSpPr>
+          <p:nvPr>
+            <p:ph type="title"/>
+          </p:nvPr>
+        </p:nvSpPr>
+        <p:spPr/>
+        <p:txBody>
+          <a:bodyPr/>
+          <a:lstStyle/>
+          <a:p>
+            <a:r>
+              <a:rPr lang="fr-FR" dirty="0" err="1" smtClean="0"/>
+              <a:t>Convexity</a:t>
+            </a:r>
+            <a:endParaRPr lang="en-US" dirty="0"/>
+          </a:p>
+        </p:txBody>
+      </p:sp>
+      <p:sp>
+        <p:nvSpPr>
+          <p:cNvPr id="3" name="Content Placeholder 2"/>
+          <p:cNvSpPr>
+            <a:spLocks noGrp="1"/>
+          </p:cNvSpPr>
+          <p:nvPr>
+            <p:ph idx="1"/>
+          </p:nvPr>
+        </p:nvSpPr>
+        <p:spPr/>
+        <p:txBody>
+          <a:bodyPr/>
+          <a:lstStyle/>
+          <a:p>
+            <a:endParaRPr lang="en-US"/>
+          </a:p>
+        </p:txBody>
+      </p:sp>
+      <p:pic>
+        <p:nvPicPr>
+          <p:cNvPr id="4" name="Picture 3"/>
+          <p:cNvPicPr>
+            <a:picLocks noChangeAspect="1"/>
+          </p:cNvPicPr>
+          <p:nvPr/>
+        </p:nvPicPr>
+        <p:blipFill>
+          <a:blip r:embed="rId3"/>
+          <a:stretch>
+            <a:fillRect/>
+          </a:stretch>
+        </p:blipFill>
+        <p:spPr>
+          <a:xfrm>
+            <a:off x="2898479" y="1690688"/>
+            <a:ext cx="6395041" cy="1670347"/>
+          </a:xfrm>
+          <a:prstGeom prst="rect">
+            <a:avLst/>
+          </a:prstGeom>
+        </p:spPr>
+      </p:pic>
+      <p:pic>
+        <p:nvPicPr>
+          <p:cNvPr id="5" name="Picture 4"/>
+          <p:cNvPicPr>
+            <a:picLocks noChangeAspect="1"/>
+          </p:cNvPicPr>
+          <p:nvPr/>
+        </p:nvPicPr>
+        <p:blipFill>
+          <a:blip r:embed="rId4"/>
+          <a:stretch>
+            <a:fillRect/>
+          </a:stretch>
+        </p:blipFill>
+        <p:spPr>
+          <a:xfrm>
+            <a:off x="2153313" y="3361035"/>
+            <a:ext cx="7885371" cy="1717997"/>
+          </a:xfrm>
+          <a:prstGeom prst="rect">
+            <a:avLst/>
+          </a:prstGeom>
+        </p:spPr>
+      </p:pic>
+      <p:pic>
+        <p:nvPicPr>
+          <p:cNvPr id="6" name="Picture 5"/>
+          <p:cNvPicPr>
+            <a:picLocks noChangeAspect="1"/>
+          </p:cNvPicPr>
+          <p:nvPr/>
+        </p:nvPicPr>
+        <p:blipFill>
+          <a:blip r:embed="rId5"/>
+          <a:stretch>
+            <a:fillRect/>
+          </a:stretch>
+        </p:blipFill>
+        <p:spPr>
+          <a:xfrm>
+            <a:off x="4224561" y="5162289"/>
+            <a:ext cx="3951878" cy="1452153"/>
+          </a:xfrm>
+          <a:prstGeom prst="rect">
+            <a:avLst/>
+          </a:prstGeom>
+        </p:spPr>
+      </p:pic>
+    </p:spTree>
+    <p:extLst>
+      <p:ext uri="{BB962C8B-B14F-4D97-AF65-F5344CB8AC3E}">
+        <p14:creationId xmlns:p14="http://schemas.microsoft.com/office/powerpoint/2010/main" val="1888164151"/>
+      </p:ext>
+    </p:extLst>
+  </p:cSld>
+  <p:clrMapOvr>
+    <a:masterClrMapping/>
+  </p:clrMapOvr>
+</p:sld>
+</file>
+
+<file path=ppt/slides/slide12.xml><?xml version="1.0" encoding="utf-8"?>
+<p:sld xmlns:a="http://schemas.openxmlformats.org/drawingml/2006/main" xmlns:r="http://schemas.openxmlformats.org/officeDocument/2006/relationships" xmlns:p="http://schemas.openxmlformats.org/presentationml/2006/main">
+  <p:cSld>
+    <p:spTree>
+      <p:nvGrpSpPr>
+        <p:cNvPr id="1" name=""/>
+        <p:cNvGrpSpPr/>
+        <p:nvPr/>
+      </p:nvGrpSpPr>
+      <p:grpSpPr>
+        <a:xfrm>
+          <a:off x="0" y="0"/>
+          <a:ext cx="0" cy="0"/>
+          <a:chOff x="0" y="0"/>
+          <a:chExt cx="0" cy="0"/>
+        </a:xfrm>
+      </p:grpSpPr>
+      <p:sp>
+        <p:nvSpPr>
+          <p:cNvPr id="3" name="Content Placeholder 2"/>
+          <p:cNvSpPr>
+            <a:spLocks noGrp="1"/>
+          </p:cNvSpPr>
+          <p:nvPr>
+            <p:ph idx="1"/>
+          </p:nvPr>
+        </p:nvSpPr>
+        <p:spPr/>
+        <p:txBody>
+          <a:bodyPr/>
+          <a:lstStyle/>
+          <a:p>
+            <a:endParaRPr lang="en-US"/>
+          </a:p>
+        </p:txBody>
+      </p:sp>
+      <p:sp>
+        <p:nvSpPr>
+          <p:cNvPr id="5" name="Title 4"/>
+          <p:cNvSpPr>
+            <a:spLocks noGrp="1"/>
+          </p:cNvSpPr>
+          <p:nvPr>
+            <p:ph type="title"/>
+          </p:nvPr>
+        </p:nvSpPr>
+        <p:spPr/>
+        <p:txBody>
+          <a:bodyPr/>
+          <a:lstStyle/>
+          <a:p>
+            <a:r>
+              <a:rPr lang="fr-FR" dirty="0" err="1" smtClean="0"/>
+              <a:t>Stochastic</a:t>
+            </a:r>
+            <a:r>
+              <a:rPr lang="fr-FR" dirty="0" smtClean="0"/>
+              <a:t> Gradient </a:t>
+            </a:r>
+            <a:r>
+              <a:rPr lang="fr-FR" dirty="0" err="1" smtClean="0"/>
+              <a:t>Descent</a:t>
+            </a:r>
+            <a:endParaRPr lang="en-US" dirty="0"/>
+          </a:p>
+        </p:txBody>
+      </p:sp>
+      <p:pic>
+        <p:nvPicPr>
+          <p:cNvPr id="6" name="Picture 5"/>
+          <p:cNvPicPr>
+            <a:picLocks noChangeAspect="1"/>
+          </p:cNvPicPr>
+          <p:nvPr/>
+        </p:nvPicPr>
+        <p:blipFill>
+          <a:blip r:embed="rId2"/>
+          <a:stretch>
+            <a:fillRect/>
+          </a:stretch>
+        </p:blipFill>
+        <p:spPr>
+          <a:xfrm>
+            <a:off x="7524750" y="1825625"/>
+            <a:ext cx="3829050" cy="2790825"/>
+          </a:xfrm>
+          <a:prstGeom prst="rect">
+            <a:avLst/>
+          </a:prstGeom>
+        </p:spPr>
+      </p:pic>
+      <p:pic>
+        <p:nvPicPr>
+          <p:cNvPr id="7" name="Picture 6"/>
+          <p:cNvPicPr>
+            <a:picLocks noChangeAspect="1"/>
+          </p:cNvPicPr>
+          <p:nvPr/>
+        </p:nvPicPr>
+        <p:blipFill>
+          <a:blip r:embed="rId3"/>
+          <a:stretch>
+            <a:fillRect/>
+          </a:stretch>
+        </p:blipFill>
+        <p:spPr>
+          <a:xfrm>
+            <a:off x="1406024" y="1962113"/>
+            <a:ext cx="5550902" cy="4078361"/>
+          </a:xfrm>
+          <a:prstGeom prst="rect">
+            <a:avLst/>
+          </a:prstGeom>
+        </p:spPr>
+      </p:pic>
+    </p:spTree>
+    <p:extLst>
+      <p:ext uri="{BB962C8B-B14F-4D97-AF65-F5344CB8AC3E}">
+        <p14:creationId xmlns:p14="http://schemas.microsoft.com/office/powerpoint/2010/main" val="3650863466"/>
+      </p:ext>
+    </p:extLst>
+  </p:cSld>
+  <p:clrMapOvr>
+    <a:masterClrMapping/>
+  </p:clrMapOvr>
+</p:sld>
+</file>
+
+<file path=ppt/slides/slide13.xml><?xml version="1.0" encoding="utf-8"?>
+<p:sld xmlns:a="http://schemas.openxmlformats.org/drawingml/2006/main" xmlns:r="http://schemas.openxmlformats.org/officeDocument/2006/relationships" xmlns:p="http://schemas.openxmlformats.org/presentationml/2006/main">
+  <p:cSld>
+    <p:spTree>
+      <p:nvGrpSpPr>
+        <p:cNvPr id="1" name=""/>
+        <p:cNvGrpSpPr/>
+        <p:nvPr/>
+      </p:nvGrpSpPr>
+      <p:grpSpPr>
+        <a:xfrm>
+          <a:off x="0" y="0"/>
+          <a:ext cx="0" cy="0"/>
+          <a:chOff x="0" y="0"/>
+          <a:chExt cx="0" cy="0"/>
+        </a:xfrm>
+      </p:grpSpPr>
+      <p:sp>
+        <p:nvSpPr>
+          <p:cNvPr id="2" name="Title 1"/>
+          <p:cNvSpPr>
+            <a:spLocks noGrp="1"/>
+          </p:cNvSpPr>
+          <p:nvPr>
+            <p:ph type="title"/>
+          </p:nvPr>
+        </p:nvSpPr>
+        <p:spPr/>
+        <p:txBody>
+          <a:bodyPr/>
+          <a:lstStyle/>
+          <a:p>
+            <a:r>
+              <a:rPr lang="fr-FR" dirty="0" err="1" smtClean="0"/>
+              <a:t>Minibatch</a:t>
+            </a:r>
+            <a:r>
+              <a:rPr lang="fr-FR" dirty="0" smtClean="0"/>
+              <a:t> SGD</a:t>
+            </a:r>
+            <a:endParaRPr lang="en-US" dirty="0"/>
+          </a:p>
+        </p:txBody>
+      </p:sp>
+      <p:sp>
+        <p:nvSpPr>
+          <p:cNvPr id="3" name="Content Placeholder 2"/>
+          <p:cNvSpPr>
+            <a:spLocks noGrp="1"/>
+          </p:cNvSpPr>
+          <p:nvPr>
+            <p:ph idx="1"/>
+          </p:nvPr>
+        </p:nvSpPr>
+        <p:spPr/>
+        <p:txBody>
+          <a:bodyPr/>
+          <a:lstStyle/>
+          <a:p>
+            <a:endParaRPr lang="en-US"/>
+          </a:p>
+        </p:txBody>
+      </p:sp>
+    </p:spTree>
+    <p:extLst>
+      <p:ext uri="{BB962C8B-B14F-4D97-AF65-F5344CB8AC3E}">
+        <p14:creationId xmlns:p14="http://schemas.microsoft.com/office/powerpoint/2010/main" val="442889948"/>
+      </p:ext>
+    </p:extLst>
+  </p:cSld>
+  <p:clrMapOvr>
+    <a:masterClrMapping/>
+  </p:clrMapOvr>
+</p:sld>
+</file>
+
+<file path=ppt/slides/slide14.xml><?xml version="1.0" encoding="utf-8"?>
+<p:sld xmlns:a="http://schemas.openxmlformats.org/drawingml/2006/main" xmlns:r="http://schemas.openxmlformats.org/officeDocument/2006/relationships" xmlns:p="http://schemas.openxmlformats.org/presentationml/2006/main">
+  <p:cSld>
+    <p:spTree>
+      <p:nvGrpSpPr>
+        <p:cNvPr id="1" name=""/>
+        <p:cNvGrpSpPr/>
+        <p:nvPr/>
+      </p:nvGrpSpPr>
+      <p:grpSpPr>
+        <a:xfrm>
+          <a:off x="0" y="0"/>
+          <a:ext cx="0" cy="0"/>
+          <a:chOff x="0" y="0"/>
+          <a:chExt cx="0" cy="0"/>
+        </a:xfrm>
+      </p:grpSpPr>
+      <p:sp>
+        <p:nvSpPr>
+          <p:cNvPr id="2" name="Title 1"/>
+          <p:cNvSpPr>
+            <a:spLocks noGrp="1"/>
+          </p:cNvSpPr>
+          <p:nvPr>
+            <p:ph type="title"/>
+          </p:nvPr>
+        </p:nvSpPr>
+        <p:spPr/>
+        <p:txBody>
+          <a:bodyPr/>
+          <a:lstStyle/>
+          <a:p>
+            <a:r>
+              <a:rPr lang="fr-FR" dirty="0" err="1" smtClean="0"/>
+              <a:t>Momentum</a:t>
+            </a:r>
+            <a:endParaRPr lang="en-US" dirty="0"/>
+          </a:p>
+        </p:txBody>
+      </p:sp>
+      <p:sp>
+        <p:nvSpPr>
+          <p:cNvPr id="3" name="Content Placeholder 2"/>
+          <p:cNvSpPr>
+            <a:spLocks noGrp="1"/>
+          </p:cNvSpPr>
+          <p:nvPr>
+            <p:ph idx="1"/>
+          </p:nvPr>
+        </p:nvSpPr>
+        <p:spPr/>
+        <p:txBody>
+          <a:bodyPr/>
+          <a:lstStyle/>
+          <a:p>
+            <a:endParaRPr lang="en-US"/>
+          </a:p>
+        </p:txBody>
+      </p:sp>
+      <p:pic>
+        <p:nvPicPr>
+          <p:cNvPr id="6" name="Picture 5"/>
+          <p:cNvPicPr>
+            <a:picLocks noChangeAspect="1"/>
+          </p:cNvPicPr>
+          <p:nvPr/>
+        </p:nvPicPr>
+        <p:blipFill>
+          <a:blip r:embed="rId3"/>
+          <a:stretch>
+            <a:fillRect/>
+          </a:stretch>
+        </p:blipFill>
+        <p:spPr>
+          <a:xfrm>
+            <a:off x="7571489" y="825131"/>
+            <a:ext cx="3848100" cy="2762250"/>
+          </a:xfrm>
+          <a:prstGeom prst="rect">
+            <a:avLst/>
+          </a:prstGeom>
+        </p:spPr>
+      </p:pic>
+      <p:pic>
+        <p:nvPicPr>
+          <p:cNvPr id="7" name="Picture 6"/>
+          <p:cNvPicPr>
+            <a:picLocks noChangeAspect="1"/>
+          </p:cNvPicPr>
+          <p:nvPr/>
+        </p:nvPicPr>
+        <p:blipFill>
+          <a:blip r:embed="rId4"/>
+          <a:stretch>
+            <a:fillRect/>
+          </a:stretch>
+        </p:blipFill>
+        <p:spPr>
+          <a:xfrm>
+            <a:off x="7256277" y="3820964"/>
+            <a:ext cx="4229100" cy="2809875"/>
+          </a:xfrm>
+          <a:prstGeom prst="rect">
+            <a:avLst/>
+          </a:prstGeom>
+        </p:spPr>
+      </p:pic>
+      <p:pic>
+        <p:nvPicPr>
+          <p:cNvPr id="8" name="Picture 7"/>
+          <p:cNvPicPr>
+            <a:picLocks noChangeAspect="1"/>
+          </p:cNvPicPr>
+          <p:nvPr/>
+        </p:nvPicPr>
+        <p:blipFill>
+          <a:blip r:embed="rId5"/>
+          <a:stretch>
+            <a:fillRect/>
+          </a:stretch>
+        </p:blipFill>
+        <p:spPr>
+          <a:xfrm>
+            <a:off x="1366394" y="2338055"/>
+            <a:ext cx="1952625" cy="438150"/>
+          </a:xfrm>
+          <a:prstGeom prst="rect">
+            <a:avLst/>
+          </a:prstGeom>
+        </p:spPr>
+      </p:pic>
+    </p:spTree>
+    <p:extLst>
+      <p:ext uri="{BB962C8B-B14F-4D97-AF65-F5344CB8AC3E}">
+        <p14:creationId xmlns:p14="http://schemas.microsoft.com/office/powerpoint/2010/main" val="1870812173"/>
+      </p:ext>
+    </p:extLst>
+  </p:cSld>
+  <p:clrMapOvr>
+    <a:masterClrMapping/>
+  </p:clrMapOvr>
+</p:sld>
+</file>
+
+<file path=ppt/slides/slide15.xml><?xml version="1.0" encoding="utf-8"?>
+<p:sld xmlns:a="http://schemas.openxmlformats.org/drawingml/2006/main" xmlns:r="http://schemas.openxmlformats.org/officeDocument/2006/relationships" xmlns:p="http://schemas.openxmlformats.org/presentationml/2006/main">
+  <p:cSld>
+    <p:spTree>
+      <p:nvGrpSpPr>
+        <p:cNvPr id="1" name=""/>
+        <p:cNvGrpSpPr/>
+        <p:nvPr/>
+      </p:nvGrpSpPr>
+      <p:grpSpPr>
+        <a:xfrm>
+          <a:off x="0" y="0"/>
+          <a:ext cx="0" cy="0"/>
+          <a:chOff x="0" y="0"/>
+          <a:chExt cx="0" cy="0"/>
+        </a:xfrm>
+      </p:grpSpPr>
+      <p:sp>
+        <p:nvSpPr>
+          <p:cNvPr id="2" name="Title 1"/>
+          <p:cNvSpPr>
+            <a:spLocks noGrp="1"/>
+          </p:cNvSpPr>
+          <p:nvPr>
+            <p:ph type="title"/>
+          </p:nvPr>
+        </p:nvSpPr>
+        <p:spPr/>
+        <p:txBody>
+          <a:bodyPr/>
+          <a:lstStyle/>
+          <a:p>
+            <a:r>
+              <a:rPr lang="fr-FR" dirty="0" err="1" smtClean="0"/>
+              <a:t>Momentum</a:t>
+            </a:r>
+            <a:endParaRPr lang="en-US" dirty="0"/>
+          </a:p>
+        </p:txBody>
+      </p:sp>
+      <p:sp>
+        <p:nvSpPr>
+          <p:cNvPr id="3" name="Content Placeholder 2"/>
+          <p:cNvSpPr>
+            <a:spLocks noGrp="1"/>
+          </p:cNvSpPr>
+          <p:nvPr>
+            <p:ph idx="1"/>
+          </p:nvPr>
+        </p:nvSpPr>
+        <p:spPr/>
+        <p:txBody>
+          <a:bodyPr/>
+          <a:lstStyle/>
+          <a:p>
+            <a:endParaRPr lang="en-US"/>
+          </a:p>
+        </p:txBody>
+      </p:sp>
+      <p:pic>
+        <p:nvPicPr>
+          <p:cNvPr id="4" name="Picture 3"/>
+          <p:cNvPicPr>
+            <a:picLocks noChangeAspect="1"/>
+          </p:cNvPicPr>
+          <p:nvPr/>
+        </p:nvPicPr>
+        <p:blipFill>
+          <a:blip r:embed="rId2"/>
+          <a:stretch>
+            <a:fillRect/>
+          </a:stretch>
+        </p:blipFill>
+        <p:spPr>
+          <a:xfrm>
+            <a:off x="1256081" y="2359764"/>
+            <a:ext cx="2066925" cy="628650"/>
+          </a:xfrm>
+          <a:prstGeom prst="rect">
+            <a:avLst/>
+          </a:prstGeom>
+        </p:spPr>
+      </p:pic>
+      <p:pic>
+        <p:nvPicPr>
+          <p:cNvPr id="5" name="Picture 4"/>
+          <p:cNvPicPr>
+            <a:picLocks noChangeAspect="1"/>
+          </p:cNvPicPr>
+          <p:nvPr/>
+        </p:nvPicPr>
+        <p:blipFill>
+          <a:blip r:embed="rId3"/>
+          <a:stretch>
+            <a:fillRect/>
+          </a:stretch>
+        </p:blipFill>
+        <p:spPr>
+          <a:xfrm>
+            <a:off x="7301576" y="1210469"/>
+            <a:ext cx="3819525" cy="2790825"/>
+          </a:xfrm>
+          <a:prstGeom prst="rect">
+            <a:avLst/>
+          </a:prstGeom>
+        </p:spPr>
+      </p:pic>
+      <p:pic>
+        <p:nvPicPr>
+          <p:cNvPr id="6" name="Picture 5"/>
+          <p:cNvPicPr>
+            <a:picLocks noChangeAspect="1"/>
+          </p:cNvPicPr>
+          <p:nvPr/>
+        </p:nvPicPr>
+        <p:blipFill>
+          <a:blip r:embed="rId4"/>
+          <a:stretch>
+            <a:fillRect/>
+          </a:stretch>
+        </p:blipFill>
+        <p:spPr>
+          <a:xfrm>
+            <a:off x="7301576" y="3751808"/>
+            <a:ext cx="3790950" cy="2781300"/>
+          </a:xfrm>
+          <a:prstGeom prst="rect">
+            <a:avLst/>
+          </a:prstGeom>
+        </p:spPr>
+      </p:pic>
+    </p:spTree>
+    <p:extLst>
+      <p:ext uri="{BB962C8B-B14F-4D97-AF65-F5344CB8AC3E}">
+        <p14:creationId xmlns:p14="http://schemas.microsoft.com/office/powerpoint/2010/main" val="748581993"/>
+      </p:ext>
+    </p:extLst>
+  </p:cSld>
+  <p:clrMapOvr>
+    <a:masterClrMapping/>
+  </p:clrMapOvr>
+</p:sld>
+</file>
+
+<file path=ppt/slides/slide16.xml><?xml version="1.0" encoding="utf-8"?>
+<p:sld xmlns:a="http://schemas.openxmlformats.org/drawingml/2006/main" xmlns:r="http://schemas.openxmlformats.org/officeDocument/2006/relationships" xmlns:p="http://schemas.openxmlformats.org/presentationml/2006/main">
+  <p:cSld>
+    <p:spTree>
+      <p:nvGrpSpPr>
+        <p:cNvPr id="1" name=""/>
+        <p:cNvGrpSpPr/>
+        <p:nvPr/>
+      </p:nvGrpSpPr>
+      <p:grpSpPr>
+        <a:xfrm>
+          <a:off x="0" y="0"/>
+          <a:ext cx="0" cy="0"/>
+          <a:chOff x="0" y="0"/>
+          <a:chExt cx="0" cy="0"/>
+        </a:xfrm>
+      </p:grpSpPr>
+      <p:sp>
+        <p:nvSpPr>
+          <p:cNvPr id="2" name="Title 1"/>
+          <p:cNvSpPr>
+            <a:spLocks noGrp="1"/>
+          </p:cNvSpPr>
+          <p:nvPr>
+            <p:ph type="title"/>
+          </p:nvPr>
+        </p:nvSpPr>
+        <p:spPr/>
+        <p:txBody>
+          <a:bodyPr/>
+          <a:lstStyle/>
+          <a:p>
+            <a:r>
+              <a:rPr lang="en-US" dirty="0" smtClean="0"/>
+              <a:t>Adam</a:t>
+            </a:r>
+            <a:endParaRPr lang="en-US" dirty="0"/>
+          </a:p>
+        </p:txBody>
+      </p:sp>
+      <p:sp>
+        <p:nvSpPr>
+          <p:cNvPr id="3" name="Content Placeholder 2"/>
+          <p:cNvSpPr>
+            <a:spLocks noGrp="1"/>
+          </p:cNvSpPr>
+          <p:nvPr>
+            <p:ph idx="1"/>
+          </p:nvPr>
+        </p:nvSpPr>
+        <p:spPr/>
+        <p:txBody>
+          <a:bodyPr/>
+          <a:lstStyle/>
+          <a:p>
+            <a:endParaRPr lang="en-US"/>
+          </a:p>
+        </p:txBody>
+      </p:sp>
+      <p:pic>
+        <p:nvPicPr>
+          <p:cNvPr id="4" name="Picture 3"/>
+          <p:cNvPicPr>
+            <a:picLocks noChangeAspect="1"/>
+          </p:cNvPicPr>
+          <p:nvPr/>
+        </p:nvPicPr>
+        <p:blipFill>
+          <a:blip r:embed="rId2"/>
+          <a:stretch>
+            <a:fillRect/>
+          </a:stretch>
+        </p:blipFill>
+        <p:spPr>
+          <a:xfrm>
+            <a:off x="4061859" y="1158948"/>
+            <a:ext cx="5580562" cy="5214383"/>
+          </a:xfrm>
+          <a:prstGeom prst="rect">
+            <a:avLst/>
+          </a:prstGeom>
+        </p:spPr>
+      </p:pic>
+    </p:spTree>
+    <p:extLst>
+      <p:ext uri="{BB962C8B-B14F-4D97-AF65-F5344CB8AC3E}">
+        <p14:creationId xmlns:p14="http://schemas.microsoft.com/office/powerpoint/2010/main" val="1246606987"/>
+      </p:ext>
+    </p:extLst>
+  </p:cSld>
+  <p:clrMapOvr>
+    <a:masterClrMapping/>
+  </p:clrMapOvr>
+</p:sld>
+</file>
+
+<file path=ppt/slides/slide17.xml><?xml version="1.0" encoding="utf-8"?>
+<p:sld xmlns:a="http://schemas.openxmlformats.org/drawingml/2006/main" xmlns:r="http://schemas.openxmlformats.org/officeDocument/2006/relationships" xmlns:p="http://schemas.openxmlformats.org/presentationml/2006/main">
+  <p:cSld>
+    <p:spTree>
+      <p:nvGrpSpPr>
+        <p:cNvPr id="1" name=""/>
+        <p:cNvGrpSpPr/>
+        <p:nvPr/>
+      </p:nvGrpSpPr>
+      <p:grpSpPr>
+        <a:xfrm>
+          <a:off x="0" y="0"/>
+          <a:ext cx="0" cy="0"/>
+          <a:chOff x="0" y="0"/>
+          <a:chExt cx="0" cy="0"/>
+        </a:xfrm>
+      </p:grpSpPr>
+      <p:sp>
+        <p:nvSpPr>
+          <p:cNvPr id="2" name="Title 1"/>
+          <p:cNvSpPr>
+            <a:spLocks noGrp="1"/>
+          </p:cNvSpPr>
+          <p:nvPr>
+            <p:ph type="title"/>
+          </p:nvPr>
+        </p:nvSpPr>
+        <p:spPr/>
+        <p:txBody>
+          <a:bodyPr/>
+          <a:lstStyle/>
+          <a:p>
+            <a:r>
+              <a:rPr lang="en-US" dirty="0" smtClean="0"/>
+              <a:t>Learning rate scheduler</a:t>
+            </a:r>
+            <a:endParaRPr lang="en-US" dirty="0"/>
+          </a:p>
+        </p:txBody>
+      </p:sp>
+      <p:sp>
+        <p:nvSpPr>
+          <p:cNvPr id="3" name="Content Placeholder 2"/>
+          <p:cNvSpPr>
+            <a:spLocks noGrp="1"/>
+          </p:cNvSpPr>
+          <p:nvPr>
+            <p:ph idx="1"/>
+          </p:nvPr>
+        </p:nvSpPr>
+        <p:spPr/>
+        <p:txBody>
+          <a:bodyPr/>
+          <a:lstStyle/>
+          <a:p>
+            <a:r>
+              <a:rPr lang="en-US" dirty="0" smtClean="0"/>
+              <a:t>Change </a:t>
+            </a:r>
+            <a:r>
+              <a:rPr lang="en-US" dirty="0" err="1" smtClean="0"/>
+              <a:t>lr</a:t>
+            </a:r>
+            <a:r>
+              <a:rPr lang="en-US" dirty="0" smtClean="0"/>
+              <a:t> using number of iteration</a:t>
+            </a:r>
+          </a:p>
+          <a:p>
+            <a:endParaRPr lang="en-US" dirty="0"/>
+          </a:p>
+          <a:p>
+            <a:r>
+              <a:rPr lang="en-US" dirty="0" smtClean="0"/>
+              <a:t> (code)</a:t>
+            </a:r>
+            <a:endParaRPr lang="en-US" dirty="0"/>
+          </a:p>
+        </p:txBody>
+      </p:sp>
+      <p:pic>
+        <p:nvPicPr>
+          <p:cNvPr id="4" name="Picture 3"/>
+          <p:cNvPicPr>
+            <a:picLocks noChangeAspect="1"/>
+          </p:cNvPicPr>
+          <p:nvPr/>
+        </p:nvPicPr>
+        <p:blipFill>
+          <a:blip r:embed="rId2"/>
+          <a:stretch>
+            <a:fillRect/>
+          </a:stretch>
+        </p:blipFill>
+        <p:spPr>
+          <a:xfrm>
+            <a:off x="8710723" y="2006563"/>
+            <a:ext cx="1447800" cy="314325"/>
+          </a:xfrm>
+          <a:prstGeom prst="rect">
+            <a:avLst/>
+          </a:prstGeom>
+        </p:spPr>
+      </p:pic>
+    </p:spTree>
+    <p:extLst>
+      <p:ext uri="{BB962C8B-B14F-4D97-AF65-F5344CB8AC3E}">
+        <p14:creationId xmlns:p14="http://schemas.microsoft.com/office/powerpoint/2010/main" val="1558427564"/>
+      </p:ext>
+    </p:extLst>
+  </p:cSld>
+  <p:clrMapOvr>
+    <a:masterClrMapping/>
+  </p:clrMapOvr>
+</p:sld>
+</file>
+
+<file path=ppt/slides/slide18.xml><?xml version="1.0" encoding="utf-8"?>
+<p:sld xmlns:a="http://schemas.openxmlformats.org/drawingml/2006/main" xmlns:r="http://schemas.openxmlformats.org/officeDocument/2006/relationships" xmlns:p="http://schemas.openxmlformats.org/presentationml/2006/main">
+  <p:cSld>
+    <p:spTree>
+      <p:nvGrpSpPr>
+        <p:cNvPr id="1" name=""/>
+        <p:cNvGrpSpPr/>
+        <p:nvPr/>
+      </p:nvGrpSpPr>
+      <p:grpSpPr>
+        <a:xfrm>
+          <a:off x="0" y="0"/>
+          <a:ext cx="0" cy="0"/>
+          <a:chOff x="0" y="0"/>
+          <a:chExt cx="0" cy="0"/>
+        </a:xfrm>
+      </p:grpSpPr>
+      <p:sp>
+        <p:nvSpPr>
+          <p:cNvPr id="2" name="Title 1"/>
+          <p:cNvSpPr>
+            <a:spLocks noGrp="1"/>
+          </p:cNvSpPr>
+          <p:nvPr>
+            <p:ph type="title"/>
+          </p:nvPr>
+        </p:nvSpPr>
+        <p:spPr/>
+        <p:txBody>
+          <a:bodyPr/>
+          <a:lstStyle/>
+          <a:p>
+            <a:r>
+              <a:rPr lang="fr-FR" dirty="0" err="1" smtClean="0"/>
+              <a:t>Warmup</a:t>
+            </a:r>
+            <a:endParaRPr lang="en-US" dirty="0"/>
+          </a:p>
+        </p:txBody>
+      </p:sp>
+      <p:sp>
+        <p:nvSpPr>
+          <p:cNvPr id="3" name="Content Placeholder 2"/>
+          <p:cNvSpPr>
+            <a:spLocks noGrp="1"/>
+          </p:cNvSpPr>
+          <p:nvPr>
+            <p:ph idx="1"/>
+          </p:nvPr>
+        </p:nvSpPr>
+        <p:spPr/>
+        <p:txBody>
+          <a:bodyPr/>
+          <a:lstStyle/>
+          <a:p>
+            <a:r>
+              <a:rPr lang="en-US" dirty="0"/>
+              <a:t>use a warmup period during which the learning rate </a:t>
+            </a:r>
+            <a:r>
+              <a:rPr lang="en-US" i="1" dirty="0"/>
+              <a:t>increases</a:t>
+            </a:r>
+            <a:r>
+              <a:rPr lang="en-US" dirty="0"/>
+              <a:t> to its initial maximum and to cool down the rate until the end of the optimization process</a:t>
+            </a:r>
+            <a:endParaRPr lang="en-US" dirty="0"/>
+          </a:p>
+        </p:txBody>
+      </p:sp>
+      <p:pic>
+        <p:nvPicPr>
+          <p:cNvPr id="4" name="Picture 3"/>
+          <p:cNvPicPr>
+            <a:picLocks noChangeAspect="1"/>
+          </p:cNvPicPr>
+          <p:nvPr/>
+        </p:nvPicPr>
+        <p:blipFill>
+          <a:blip r:embed="rId2"/>
+          <a:stretch>
+            <a:fillRect/>
+          </a:stretch>
+        </p:blipFill>
+        <p:spPr>
+          <a:xfrm>
+            <a:off x="4262437" y="3277154"/>
+            <a:ext cx="3667125" cy="2600325"/>
+          </a:xfrm>
+          <a:prstGeom prst="rect">
+            <a:avLst/>
+          </a:prstGeom>
+        </p:spPr>
+      </p:pic>
+    </p:spTree>
+    <p:extLst>
+      <p:ext uri="{BB962C8B-B14F-4D97-AF65-F5344CB8AC3E}">
+        <p14:creationId xmlns:p14="http://schemas.microsoft.com/office/powerpoint/2010/main" val="3804214126"/>
+      </p:ext>
+    </p:extLst>
+  </p:cSld>
+  <p:clrMapOvr>
+    <a:masterClrMapping/>
+  </p:clrMapOvr>
+</p:sld>
+</file>
+
+<file path=ppt/slides/slide19.xml><?xml version="1.0" encoding="utf-8"?>
+<p:sld xmlns:a="http://schemas.openxmlformats.org/drawingml/2006/main" xmlns:r="http://schemas.openxmlformats.org/officeDocument/2006/relationships" xmlns:p="http://schemas.openxmlformats.org/presentationml/2006/main">
+  <p:cSld>
+    <p:spTree>
+      <p:nvGrpSpPr>
+        <p:cNvPr id="1" name=""/>
+        <p:cNvGrpSpPr/>
+        <p:nvPr/>
+      </p:nvGrpSpPr>
+      <p:grpSpPr>
+        <a:xfrm>
+          <a:off x="0" y="0"/>
+          <a:ext cx="0" cy="0"/>
+          <a:chOff x="0" y="0"/>
+          <a:chExt cx="0" cy="0"/>
+        </a:xfrm>
+      </p:grpSpPr>
+      <p:sp>
+        <p:nvSpPr>
+          <p:cNvPr id="2" name="Title 1"/>
+          <p:cNvSpPr>
+            <a:spLocks noGrp="1"/>
+          </p:cNvSpPr>
+          <p:nvPr>
+            <p:ph type="title"/>
+          </p:nvPr>
+        </p:nvSpPr>
+        <p:spPr/>
+        <p:txBody>
+          <a:bodyPr/>
+          <a:lstStyle/>
+          <a:p>
+            <a:r>
+              <a:rPr lang="fr-FR" dirty="0" err="1" smtClean="0"/>
+              <a:t>Summary</a:t>
+            </a:r>
+            <a:endParaRPr lang="en-US" dirty="0"/>
+          </a:p>
+        </p:txBody>
+      </p:sp>
+      <p:sp>
+        <p:nvSpPr>
+          <p:cNvPr id="3" name="Content Placeholder 2"/>
+          <p:cNvSpPr>
+            <a:spLocks noGrp="1"/>
+          </p:cNvSpPr>
+          <p:nvPr>
+            <p:ph idx="1"/>
+          </p:nvPr>
+        </p:nvSpPr>
+        <p:spPr/>
+        <p:txBody>
+          <a:bodyPr>
+            <a:normAutofit fontScale="92500" lnSpcReduction="10000"/>
+          </a:bodyPr>
+          <a:lstStyle/>
+          <a:p>
+            <a:r>
+              <a:rPr lang="en-US" dirty="0"/>
+              <a:t>Decreasing the learning rate during training can lead to improved accuracy and (most perplexingly) reduced overfitting of the model.</a:t>
+            </a:r>
+          </a:p>
+          <a:p>
+            <a:r>
+              <a:rPr lang="en-US" dirty="0"/>
+              <a:t>A piecewise decrease of the learning rate whenever progress has plateaued is effective in practice. Essentially this ensures that we converge efficiently to a suitable solution and only then reduce the inherent variance of the parameters by reducing the learning rate.</a:t>
+            </a:r>
+          </a:p>
+          <a:p>
+            <a:r>
+              <a:rPr lang="en-US" dirty="0" smtClean="0"/>
+              <a:t>A </a:t>
+            </a:r>
+            <a:r>
+              <a:rPr lang="en-US" dirty="0"/>
+              <a:t>warmup period before optimization can prevent divergence.</a:t>
+            </a:r>
+          </a:p>
+          <a:p>
+            <a:r>
+              <a:rPr lang="en-US" dirty="0"/>
+              <a:t>Optimization serves multiple purposes in deep learning. Besides minimizing the training objective, different choices of optimization algorithms and learning rate scheduling can lead to rather different amounts of generalization and overfitting on the test set (for the same amount of training error).</a:t>
+            </a:r>
+          </a:p>
+          <a:p>
+            <a:endParaRPr lang="en-US" dirty="0"/>
+          </a:p>
+        </p:txBody>
+      </p:sp>
+    </p:spTree>
+    <p:extLst>
+      <p:ext uri="{BB962C8B-B14F-4D97-AF65-F5344CB8AC3E}">
+        <p14:creationId xmlns:p14="http://schemas.microsoft.com/office/powerpoint/2010/main" val="250655480"/>
+      </p:ext>
+    </p:extLst>
+  </p:cSld>
+  <p:clrMapOvr>
+    <a:masterClrMapping/>
+  </p:clrMapOvr>
+</p:sld>
+</file>
+
 <file path=ppt/slides/slide2.xml><?xml version="1.0" encoding="utf-8"?>
 <p:sld xmlns:a="http://schemas.openxmlformats.org/drawingml/2006/main" xmlns:r="http://schemas.openxmlformats.org/officeDocument/2006/relationships" xmlns:p="http://schemas.openxmlformats.org/presentationml/2006/main">
   <p:cSld>
@@ -3520,11 +4870,7 @@
           <a:p>
             <a:r>
               <a:rPr lang="en-US" dirty="0" smtClean="0"/>
-              <a:t>Attention is </a:t>
-            </a:r>
-            <a:r>
-              <a:rPr lang="en-US" smtClean="0"/>
-              <a:t>all you need</a:t>
+              <a:t>Attention in seq2seq</a:t>
             </a:r>
             <a:endParaRPr lang="en-US" dirty="0"/>
           </a:p>
@@ -3553,6 +4899,116 @@
     <p:extLst>
       <p:ext uri="{BB962C8B-B14F-4D97-AF65-F5344CB8AC3E}">
         <p14:creationId xmlns:p14="http://schemas.microsoft.com/office/powerpoint/2010/main" val="2267678998"/>
+      </p:ext>
+    </p:extLst>
+  </p:cSld>
+  <p:clrMapOvr>
+    <a:masterClrMapping/>
+  </p:clrMapOvr>
+</p:sld>
+</file>
+
+<file path=ppt/slides/slide20.xml><?xml version="1.0" encoding="utf-8"?>
+<p:sld xmlns:a="http://schemas.openxmlformats.org/drawingml/2006/main" xmlns:r="http://schemas.openxmlformats.org/officeDocument/2006/relationships" xmlns:p="http://schemas.openxmlformats.org/presentationml/2006/main">
+  <p:cSld>
+    <p:spTree>
+      <p:nvGrpSpPr>
+        <p:cNvPr id="1" name=""/>
+        <p:cNvGrpSpPr/>
+        <p:nvPr/>
+      </p:nvGrpSpPr>
+      <p:grpSpPr>
+        <a:xfrm>
+          <a:off x="0" y="0"/>
+          <a:ext cx="0" cy="0"/>
+          <a:chOff x="0" y="0"/>
+          <a:chExt cx="0" cy="0"/>
+        </a:xfrm>
+      </p:grpSpPr>
+      <p:sp>
+        <p:nvSpPr>
+          <p:cNvPr id="4" name="Title 3"/>
+          <p:cNvSpPr>
+            <a:spLocks noGrp="1"/>
+          </p:cNvSpPr>
+          <p:nvPr>
+            <p:ph type="title"/>
+          </p:nvPr>
+        </p:nvSpPr>
+        <p:spPr/>
+        <p:txBody>
+          <a:bodyPr/>
+          <a:lstStyle/>
+          <a:p>
+            <a:r>
+              <a:rPr lang="fr-FR" dirty="0" smtClean="0"/>
+              <a:t>Practice</a:t>
+            </a:r>
+            <a:endParaRPr lang="en-US" dirty="0"/>
+          </a:p>
+        </p:txBody>
+      </p:sp>
+      <p:sp>
+        <p:nvSpPr>
+          <p:cNvPr id="5" name="Content Placeholder 4"/>
+          <p:cNvSpPr>
+            <a:spLocks noGrp="1"/>
+          </p:cNvSpPr>
+          <p:nvPr>
+            <p:ph idx="1"/>
+          </p:nvPr>
+        </p:nvSpPr>
+        <p:spPr/>
+        <p:txBody>
+          <a:bodyPr/>
+          <a:lstStyle/>
+          <a:p>
+            <a:r>
+              <a:rPr lang="fr-FR" dirty="0" smtClean="0"/>
+              <a:t>Seq2seq </a:t>
+            </a:r>
+            <a:r>
+              <a:rPr lang="fr-FR" dirty="0" err="1" smtClean="0"/>
+              <a:t>with</a:t>
+            </a:r>
+            <a:r>
+              <a:rPr lang="fr-FR" dirty="0" smtClean="0"/>
+              <a:t> attention</a:t>
+            </a:r>
+          </a:p>
+          <a:p>
+            <a:r>
+              <a:rPr lang="fr-FR" dirty="0" smtClean="0"/>
+              <a:t>Bai </a:t>
+            </a:r>
+            <a:r>
+              <a:rPr lang="fr-FR" dirty="0" err="1" smtClean="0"/>
+              <a:t>tap</a:t>
+            </a:r>
+            <a:r>
+              <a:rPr lang="fr-FR" dirty="0" smtClean="0"/>
+              <a:t> </a:t>
+            </a:r>
+            <a:r>
+              <a:rPr lang="fr-FR" dirty="0" err="1" smtClean="0"/>
+              <a:t>giua</a:t>
+            </a:r>
+            <a:r>
+              <a:rPr lang="fr-FR" dirty="0" smtClean="0"/>
+              <a:t> </a:t>
+            </a:r>
+            <a:r>
+              <a:rPr lang="fr-FR" dirty="0" err="1" smtClean="0"/>
+              <a:t>ki</a:t>
+            </a:r>
+            <a:endParaRPr lang="en-US" dirty="0"/>
+          </a:p>
+        </p:txBody>
+      </p:sp>
+    </p:spTree>
+    <p:extLst>
+      <p:ext uri="{BB962C8B-B14F-4D97-AF65-F5344CB8AC3E}">
+        <p14:creationId xmlns:p14="http://schemas.microsoft.com/office/powerpoint/2010/main" val="205605987"/>
       </p:ext>
     </p:extLst>
   </p:cSld>
@@ -3940,6 +5396,482 @@
     <p:extLst>
       <p:ext uri="{BB962C8B-B14F-4D97-AF65-F5344CB8AC3E}">
         <p14:creationId xmlns:p14="http://schemas.microsoft.com/office/powerpoint/2010/main" val="704623179"/>
+      </p:ext>
+    </p:extLst>
+  </p:cSld>
+  <p:clrMapOvr>
+    <a:masterClrMapping/>
+  </p:clrMapOvr>
+</p:sld>
+</file>
+
+<file path=ppt/slides/slide6.xml><?xml version="1.0" encoding="utf-8"?>
+<p:sld xmlns:a="http://schemas.openxmlformats.org/drawingml/2006/main" xmlns:r="http://schemas.openxmlformats.org/officeDocument/2006/relationships" xmlns:p="http://schemas.openxmlformats.org/presentationml/2006/main">
+  <p:cSld>
+    <p:spTree>
+      <p:nvGrpSpPr>
+        <p:cNvPr id="1" name=""/>
+        <p:cNvGrpSpPr/>
+        <p:nvPr/>
+      </p:nvGrpSpPr>
+      <p:grpSpPr>
+        <a:xfrm>
+          <a:off x="0" y="0"/>
+          <a:ext cx="0" cy="0"/>
+          <a:chOff x="0" y="0"/>
+          <a:chExt cx="0" cy="0"/>
+        </a:xfrm>
+      </p:grpSpPr>
+      <p:sp>
+        <p:nvSpPr>
+          <p:cNvPr id="2" name="Title 1"/>
+          <p:cNvSpPr>
+            <a:spLocks noGrp="1"/>
+          </p:cNvSpPr>
+          <p:nvPr>
+            <p:ph type="title"/>
+          </p:nvPr>
+        </p:nvSpPr>
+        <p:spPr>
+          <a:xfrm>
+            <a:off x="838200" y="1093483"/>
+            <a:ext cx="3840127" cy="408129"/>
+          </a:xfrm>
+        </p:spPr>
+        <p:txBody>
+          <a:bodyPr>
+            <a:normAutofit fontScale="90000"/>
+          </a:bodyPr>
+          <a:lstStyle/>
+          <a:p>
+            <a:r>
+              <a:rPr lang="fr-FR" dirty="0" smtClean="0"/>
+              <a:t>Luong model</a:t>
+            </a:r>
+            <a:endParaRPr lang="en-US" dirty="0"/>
+          </a:p>
+        </p:txBody>
+      </p:sp>
+      <p:sp>
+        <p:nvSpPr>
+          <p:cNvPr id="3" name="Content Placeholder 2"/>
+          <p:cNvSpPr>
+            <a:spLocks noGrp="1"/>
+          </p:cNvSpPr>
+          <p:nvPr>
+            <p:ph idx="1"/>
+          </p:nvPr>
+        </p:nvSpPr>
+        <p:spPr>
+          <a:xfrm>
+            <a:off x="338469" y="1921318"/>
+            <a:ext cx="3903922" cy="4351338"/>
+          </a:xfrm>
+        </p:spPr>
+        <p:txBody>
+          <a:bodyPr>
+            <a:normAutofit/>
+          </a:bodyPr>
+          <a:lstStyle/>
+          <a:p>
+            <a:r>
+              <a:rPr lang="en-US" sz="1400" dirty="0"/>
+              <a:t>encoder: </a:t>
+            </a:r>
+            <a:r>
+              <a:rPr lang="en-US" sz="1400" dirty="0" err="1"/>
+              <a:t>unirectional</a:t>
+            </a:r>
+            <a:r>
+              <a:rPr lang="en-US" sz="1400" dirty="0"/>
+              <a:t> (simple)</a:t>
+            </a:r>
+          </a:p>
+          <a:p>
+            <a:r>
+              <a:rPr lang="en-US" sz="1400" dirty="0"/>
+              <a:t>attention score: bilinear function</a:t>
+            </a:r>
+          </a:p>
+          <a:p>
+            <a:r>
+              <a:rPr lang="en-US" sz="1400" dirty="0"/>
+              <a:t>attention applied: between decoder RNN state t and prediction for this step</a:t>
+            </a:r>
+            <a:br>
+              <a:rPr lang="en-US" sz="1400" dirty="0"/>
+            </a:br>
+            <a:r>
+              <a:rPr lang="en-US" sz="1400" dirty="0"/>
+              <a:t>Attention is used after RNN decoder step t before making a prediction. State </a:t>
+            </a:r>
+            <a:r>
+              <a:rPr lang="en-US" sz="1400" dirty="0" err="1"/>
+              <a:t>ht</a:t>
+            </a:r>
+            <a:r>
+              <a:rPr lang="en-US" sz="1400" dirty="0"/>
+              <a:t> used to compute attention and its output c(t). Then </a:t>
+            </a:r>
+            <a:r>
+              <a:rPr lang="en-US" sz="1400" dirty="0" err="1"/>
+              <a:t>ht</a:t>
+            </a:r>
+            <a:r>
+              <a:rPr lang="en-US" sz="1400" dirty="0"/>
+              <a:t> is combined with c(t) to get an updated representation </a:t>
+            </a:r>
+            <a:r>
+              <a:rPr lang="en-US" sz="1400" dirty="0" err="1"/>
+              <a:t>h~t</a:t>
+            </a:r>
+            <a:r>
+              <a:rPr lang="en-US" sz="1400" dirty="0"/>
+              <a:t>, which is used to get a prediction.</a:t>
+            </a:r>
+          </a:p>
+          <a:p>
+            <a:endParaRPr lang="en-US" sz="1400" dirty="0"/>
+          </a:p>
+        </p:txBody>
+      </p:sp>
+      <p:pic>
+        <p:nvPicPr>
+          <p:cNvPr id="1026" name="Picture 2" descr="https://lena-voita.github.io/resources/lectures/seq2seq/attention/luong_model-min.png"/>
+          <p:cNvPicPr>
+            <a:picLocks noChangeAspect="1" noChangeArrowheads="1"/>
+          </p:cNvPicPr>
+          <p:nvPr/>
+        </p:nvPicPr>
+        <p:blipFill>
+          <a:blip r:embed="rId2" cstate="print">
+            <a:extLst>
+              <a:ext uri="{28A0092B-C50C-407E-A947-70E740481C1C}">
+                <a14:useLocalDpi xmlns:a14="http://schemas.microsoft.com/office/drawing/2010/main" val="0"/>
+              </a:ext>
+            </a:extLst>
+          </a:blip>
+          <a:srcRect/>
+          <a:stretch>
+            <a:fillRect/>
+          </a:stretch>
+        </p:blipFill>
+        <p:spPr bwMode="auto">
+          <a:xfrm>
+            <a:off x="4630775" y="1193652"/>
+            <a:ext cx="7394649" cy="3697325"/>
+          </a:xfrm>
+          <a:prstGeom prst="rect">
+            <a:avLst/>
+          </a:prstGeom>
+          <a:noFill/>
+          <a:extLst>
+            <a:ext uri="{909E8E84-426E-40DD-AFC4-6F175D3DCCD1}">
+              <a14:hiddenFill xmlns:a14="http://schemas.microsoft.com/office/drawing/2010/main">
+                <a:solidFill>
+                  <a:srgbClr val="FFFFFF"/>
+                </a:solidFill>
+              </a14:hiddenFill>
+            </a:ext>
+          </a:extLst>
+        </p:spPr>
+      </p:pic>
+    </p:spTree>
+    <p:extLst>
+      <p:ext uri="{BB962C8B-B14F-4D97-AF65-F5344CB8AC3E}">
+        <p14:creationId xmlns:p14="http://schemas.microsoft.com/office/powerpoint/2010/main" val="2596909794"/>
+      </p:ext>
+    </p:extLst>
+  </p:cSld>
+  <p:clrMapOvr>
+    <a:masterClrMapping/>
+  </p:clrMapOvr>
+</p:sld>
+</file>
+
+<file path=ppt/slides/slide7.xml><?xml version="1.0" encoding="utf-8"?>
+<p:sld xmlns:a="http://schemas.openxmlformats.org/drawingml/2006/main" xmlns:r="http://schemas.openxmlformats.org/officeDocument/2006/relationships" xmlns:p="http://schemas.openxmlformats.org/presentationml/2006/main">
+  <p:cSld>
+    <p:spTree>
+      <p:nvGrpSpPr>
+        <p:cNvPr id="1" name=""/>
+        <p:cNvGrpSpPr/>
+        <p:nvPr/>
+      </p:nvGrpSpPr>
+      <p:grpSpPr>
+        <a:xfrm>
+          <a:off x="0" y="0"/>
+          <a:ext cx="0" cy="0"/>
+          <a:chOff x="0" y="0"/>
+          <a:chExt cx="0" cy="0"/>
+        </a:xfrm>
+      </p:grpSpPr>
+      <p:sp>
+        <p:nvSpPr>
+          <p:cNvPr id="2" name="Title 1"/>
+          <p:cNvSpPr>
+            <a:spLocks noGrp="1"/>
+          </p:cNvSpPr>
+          <p:nvPr>
+            <p:ph type="title"/>
+          </p:nvPr>
+        </p:nvSpPr>
+        <p:spPr>
+          <a:xfrm>
+            <a:off x="838200" y="904088"/>
+            <a:ext cx="5330061" cy="367295"/>
+          </a:xfrm>
+        </p:spPr>
+        <p:txBody>
+          <a:bodyPr>
+            <a:normAutofit fontScale="90000"/>
+          </a:bodyPr>
+          <a:lstStyle/>
+          <a:p>
+            <a:r>
+              <a:rPr lang="fr-FR" dirty="0" smtClean="0"/>
+              <a:t>Attention </a:t>
+            </a:r>
+            <a:r>
+              <a:rPr lang="fr-FR" dirty="0" err="1" smtClean="0"/>
+              <a:t>weights</a:t>
+            </a:r>
+            <a:endParaRPr lang="en-US" dirty="0"/>
+          </a:p>
+        </p:txBody>
+      </p:sp>
+      <p:sp>
+        <p:nvSpPr>
+          <p:cNvPr id="3" name="Content Placeholder 2"/>
+          <p:cNvSpPr>
+            <a:spLocks noGrp="1"/>
+          </p:cNvSpPr>
+          <p:nvPr>
+            <p:ph idx="1"/>
+          </p:nvPr>
+        </p:nvSpPr>
+        <p:spPr/>
+        <p:txBody>
+          <a:bodyPr/>
+          <a:lstStyle/>
+          <a:p>
+            <a:endParaRPr lang="en-US" dirty="0"/>
+          </a:p>
+        </p:txBody>
+      </p:sp>
+      <p:pic>
+        <p:nvPicPr>
+          <p:cNvPr id="2050" name="Picture 2" descr="https://lena-voita.github.io/resources/lectures/seq2seq/attention/bahdanau_examples-min.png"/>
+          <p:cNvPicPr>
+            <a:picLocks noChangeAspect="1" noChangeArrowheads="1"/>
+          </p:cNvPicPr>
+          <p:nvPr/>
+        </p:nvPicPr>
+        <p:blipFill>
+          <a:blip r:embed="rId2">
+            <a:extLst>
+              <a:ext uri="{28A0092B-C50C-407E-A947-70E740481C1C}">
+                <a14:useLocalDpi xmlns:a14="http://schemas.microsoft.com/office/drawing/2010/main" val="0"/>
+              </a:ext>
+            </a:extLst>
+          </a:blip>
+          <a:srcRect/>
+          <a:stretch>
+            <a:fillRect/>
+          </a:stretch>
+        </p:blipFill>
+        <p:spPr bwMode="auto">
+          <a:xfrm>
+            <a:off x="2173287" y="2062870"/>
+            <a:ext cx="7845425" cy="3876847"/>
+          </a:xfrm>
+          <a:prstGeom prst="rect">
+            <a:avLst/>
+          </a:prstGeom>
+          <a:noFill/>
+          <a:extLst>
+            <a:ext uri="{909E8E84-426E-40DD-AFC4-6F175D3DCCD1}">
+              <a14:hiddenFill xmlns:a14="http://schemas.microsoft.com/office/drawing/2010/main">
+                <a:solidFill>
+                  <a:srgbClr val="FFFFFF"/>
+                </a:solidFill>
+              </a14:hiddenFill>
+            </a:ext>
+          </a:extLst>
+        </p:spPr>
+      </p:pic>
+    </p:spTree>
+    <p:extLst>
+      <p:ext uri="{BB962C8B-B14F-4D97-AF65-F5344CB8AC3E}">
+        <p14:creationId xmlns:p14="http://schemas.microsoft.com/office/powerpoint/2010/main" val="3494286362"/>
+      </p:ext>
+    </p:extLst>
+  </p:cSld>
+  <p:clrMapOvr>
+    <a:masterClrMapping/>
+  </p:clrMapOvr>
+</p:sld>
+</file>
+
+<file path=ppt/slides/slide8.xml><?xml version="1.0" encoding="utf-8"?>
+<p:sld xmlns:a="http://schemas.openxmlformats.org/drawingml/2006/main" xmlns:r="http://schemas.openxmlformats.org/officeDocument/2006/relationships" xmlns:p="http://schemas.openxmlformats.org/presentationml/2006/main">
+  <p:cSld>
+    <p:spTree>
+      <p:nvGrpSpPr>
+        <p:cNvPr id="1" name=""/>
+        <p:cNvGrpSpPr/>
+        <p:nvPr/>
+      </p:nvGrpSpPr>
+      <p:grpSpPr>
+        <a:xfrm>
+          <a:off x="0" y="0"/>
+          <a:ext cx="0" cy="0"/>
+          <a:chOff x="0" y="0"/>
+          <a:chExt cx="0" cy="0"/>
+        </a:xfrm>
+      </p:grpSpPr>
+      <p:sp>
+        <p:nvSpPr>
+          <p:cNvPr id="2" name="Title 1"/>
+          <p:cNvSpPr>
+            <a:spLocks noGrp="1"/>
+          </p:cNvSpPr>
+          <p:nvPr>
+            <p:ph type="title"/>
+          </p:nvPr>
+        </p:nvSpPr>
+        <p:spPr/>
+        <p:txBody>
+          <a:bodyPr/>
+          <a:lstStyle/>
+          <a:p>
+            <a:r>
+              <a:rPr lang="fr-FR" dirty="0" err="1" smtClean="0"/>
+              <a:t>Optimization</a:t>
+            </a:r>
+            <a:endParaRPr lang="en-US" dirty="0"/>
+          </a:p>
+        </p:txBody>
+      </p:sp>
+      <p:sp>
+        <p:nvSpPr>
+          <p:cNvPr id="3" name="Text Placeholder 2"/>
+          <p:cNvSpPr>
+            <a:spLocks noGrp="1"/>
+          </p:cNvSpPr>
+          <p:nvPr>
+            <p:ph type="body" idx="1"/>
+          </p:nvPr>
+        </p:nvSpPr>
+        <p:spPr/>
+        <p:txBody>
+          <a:bodyPr/>
+          <a:lstStyle/>
+          <a:p>
+            <a:endParaRPr lang="en-US"/>
+          </a:p>
+        </p:txBody>
+      </p:sp>
+    </p:spTree>
+    <p:extLst>
+      <p:ext uri="{BB962C8B-B14F-4D97-AF65-F5344CB8AC3E}">
+        <p14:creationId xmlns:p14="http://schemas.microsoft.com/office/powerpoint/2010/main" val="3214963424"/>
+      </p:ext>
+    </p:extLst>
+  </p:cSld>
+  <p:clrMapOvr>
+    <a:masterClrMapping/>
+  </p:clrMapOvr>
+</p:sld>
+</file>
+
+<file path=ppt/slides/slide9.xml><?xml version="1.0" encoding="utf-8"?>
+<p:sld xmlns:a="http://schemas.openxmlformats.org/drawingml/2006/main" xmlns:r="http://schemas.openxmlformats.org/officeDocument/2006/relationships" xmlns:p="http://schemas.openxmlformats.org/presentationml/2006/main">
+  <p:cSld>
+    <p:spTree>
+      <p:nvGrpSpPr>
+        <p:cNvPr id="1" name=""/>
+        <p:cNvGrpSpPr/>
+        <p:nvPr/>
+      </p:nvGrpSpPr>
+      <p:grpSpPr>
+        <a:xfrm>
+          <a:off x="0" y="0"/>
+          <a:ext cx="0" cy="0"/>
+          <a:chOff x="0" y="0"/>
+          <a:chExt cx="0" cy="0"/>
+        </a:xfrm>
+      </p:grpSpPr>
+      <p:sp>
+        <p:nvSpPr>
+          <p:cNvPr id="5" name="Content Placeholder 4"/>
+          <p:cNvSpPr>
+            <a:spLocks noGrp="1"/>
+          </p:cNvSpPr>
+          <p:nvPr>
+            <p:ph idx="1"/>
+          </p:nvPr>
+        </p:nvSpPr>
+        <p:spPr/>
+        <p:txBody>
+          <a:bodyPr/>
+          <a:lstStyle/>
+          <a:p>
+            <a:endParaRPr lang="en-US"/>
+          </a:p>
+        </p:txBody>
+      </p:sp>
+      <p:sp>
+        <p:nvSpPr>
+          <p:cNvPr id="7" name="Title 6"/>
+          <p:cNvSpPr>
+            <a:spLocks noGrp="1"/>
+          </p:cNvSpPr>
+          <p:nvPr>
+            <p:ph type="title"/>
+          </p:nvPr>
+        </p:nvSpPr>
+        <p:spPr/>
+        <p:txBody>
+          <a:bodyPr/>
+          <a:lstStyle/>
+          <a:p>
+            <a:r>
+              <a:rPr lang="fr-FR" dirty="0" smtClean="0"/>
+              <a:t>Local minima</a:t>
+            </a:r>
+            <a:endParaRPr lang="en-US" dirty="0"/>
+          </a:p>
+        </p:txBody>
+      </p:sp>
+      <p:pic>
+        <p:nvPicPr>
+          <p:cNvPr id="8" name="Picture 7"/>
+          <p:cNvPicPr>
+            <a:picLocks noChangeAspect="1"/>
+          </p:cNvPicPr>
+          <p:nvPr/>
+        </p:nvPicPr>
+        <p:blipFill>
+          <a:blip r:embed="rId2"/>
+          <a:stretch>
+            <a:fillRect/>
+          </a:stretch>
+        </p:blipFill>
+        <p:spPr>
+          <a:xfrm>
+            <a:off x="3532896" y="2425884"/>
+            <a:ext cx="4477629" cy="3241269"/>
+          </a:xfrm>
+          <a:prstGeom prst="rect">
+            <a:avLst/>
+          </a:prstGeom>
+        </p:spPr>
+      </p:pic>
+    </p:spTree>
+    <p:extLst>
+      <p:ext uri="{BB962C8B-B14F-4D97-AF65-F5344CB8AC3E}">
+        <p14:creationId xmlns:p14="http://schemas.microsoft.com/office/powerpoint/2010/main" val="2700387520"/>
       </p:ext>
     </p:extLst>
   </p:cSld>
